--- a/Documentation/Iteration1/Shopped_Presentation_10-6-09.pptx
+++ b/Documentation/Iteration1/Shopped_Presentation_10-6-09.pptx
@@ -12,7 +12,8 @@
     <p:sldId id="259" r:id="rId6"/>
     <p:sldId id="260" r:id="rId7"/>
     <p:sldId id="261" r:id="rId8"/>
-    <p:sldId id="262" r:id="rId9"/>
+    <p:sldId id="264" r:id="rId9"/>
+    <p:sldId id="262" r:id="rId10"/>
   </p:sldIdLst>
   <p:sldSz cx="9144000" cy="6858000" type="screen4x3"/>
   <p:notesSz cx="6858000" cy="9144000"/>
@@ -295,6 +296,7 @@
           <a:p>
             <a:fld id="{5D828E61-8675-479A-8803-25B508D0C90E}" type="datetimeFigureOut">
               <a:rPr lang="en-US" smtClean="0"/>
+              <a:pPr/>
               <a:t>10/6/2009</a:t>
             </a:fld>
             <a:endParaRPr lang="en-US"/>
@@ -337,6 +339,7 @@
           <a:p>
             <a:fld id="{89314D1C-A59A-4EAC-8DA8-5C9C1787458C}" type="slidenum">
               <a:rPr lang="en-US" smtClean="0"/>
+              <a:pPr/>
               <a:t>‹#›</a:t>
             </a:fld>
             <a:endParaRPr lang="en-US"/>
@@ -460,6 +463,7 @@
           <a:p>
             <a:fld id="{5D828E61-8675-479A-8803-25B508D0C90E}" type="datetimeFigureOut">
               <a:rPr lang="en-US" smtClean="0"/>
+              <a:pPr/>
               <a:t>10/6/2009</a:t>
             </a:fld>
             <a:endParaRPr lang="en-US"/>
@@ -502,6 +506,7 @@
           <a:p>
             <a:fld id="{89314D1C-A59A-4EAC-8DA8-5C9C1787458C}" type="slidenum">
               <a:rPr lang="en-US" smtClean="0"/>
+              <a:pPr/>
               <a:t>‹#›</a:t>
             </a:fld>
             <a:endParaRPr lang="en-US"/>
@@ -635,6 +640,7 @@
           <a:p>
             <a:fld id="{5D828E61-8675-479A-8803-25B508D0C90E}" type="datetimeFigureOut">
               <a:rPr lang="en-US" smtClean="0"/>
+              <a:pPr/>
               <a:t>10/6/2009</a:t>
             </a:fld>
             <a:endParaRPr lang="en-US"/>
@@ -677,6 +683,7 @@
           <a:p>
             <a:fld id="{89314D1C-A59A-4EAC-8DA8-5C9C1787458C}" type="slidenum">
               <a:rPr lang="en-US" smtClean="0"/>
+              <a:pPr/>
               <a:t>‹#›</a:t>
             </a:fld>
             <a:endParaRPr lang="en-US"/>
@@ -800,6 +807,7 @@
           <a:p>
             <a:fld id="{5D828E61-8675-479A-8803-25B508D0C90E}" type="datetimeFigureOut">
               <a:rPr lang="en-US" smtClean="0"/>
+              <a:pPr/>
               <a:t>10/6/2009</a:t>
             </a:fld>
             <a:endParaRPr lang="en-US"/>
@@ -842,6 +850,7 @@
           <a:p>
             <a:fld id="{89314D1C-A59A-4EAC-8DA8-5C9C1787458C}" type="slidenum">
               <a:rPr lang="en-US" smtClean="0"/>
+              <a:pPr/>
               <a:t>‹#›</a:t>
             </a:fld>
             <a:endParaRPr lang="en-US"/>
@@ -1041,6 +1050,7 @@
           <a:p>
             <a:fld id="{5D828E61-8675-479A-8803-25B508D0C90E}" type="datetimeFigureOut">
               <a:rPr lang="en-US" smtClean="0"/>
+              <a:pPr/>
               <a:t>10/6/2009</a:t>
             </a:fld>
             <a:endParaRPr lang="en-US"/>
@@ -1083,6 +1093,7 @@
           <a:p>
             <a:fld id="{89314D1C-A59A-4EAC-8DA8-5C9C1787458C}" type="slidenum">
               <a:rPr lang="en-US" smtClean="0"/>
+              <a:pPr/>
               <a:t>‹#›</a:t>
             </a:fld>
             <a:endParaRPr lang="en-US"/>
@@ -1324,6 +1335,7 @@
           <a:p>
             <a:fld id="{5D828E61-8675-479A-8803-25B508D0C90E}" type="datetimeFigureOut">
               <a:rPr lang="en-US" smtClean="0"/>
+              <a:pPr/>
               <a:t>10/6/2009</a:t>
             </a:fld>
             <a:endParaRPr lang="en-US"/>
@@ -1366,6 +1378,7 @@
           <a:p>
             <a:fld id="{89314D1C-A59A-4EAC-8DA8-5C9C1787458C}" type="slidenum">
               <a:rPr lang="en-US" smtClean="0"/>
+              <a:pPr/>
               <a:t>‹#›</a:t>
             </a:fld>
             <a:endParaRPr lang="en-US"/>
@@ -1741,6 +1754,7 @@
           <a:p>
             <a:fld id="{5D828E61-8675-479A-8803-25B508D0C90E}" type="datetimeFigureOut">
               <a:rPr lang="en-US" smtClean="0"/>
+              <a:pPr/>
               <a:t>10/6/2009</a:t>
             </a:fld>
             <a:endParaRPr lang="en-US"/>
@@ -1783,6 +1797,7 @@
           <a:p>
             <a:fld id="{89314D1C-A59A-4EAC-8DA8-5C9C1787458C}" type="slidenum">
               <a:rPr lang="en-US" smtClean="0"/>
+              <a:pPr/>
               <a:t>‹#›</a:t>
             </a:fld>
             <a:endParaRPr lang="en-US"/>
@@ -1854,6 +1869,7 @@
           <a:p>
             <a:fld id="{5D828E61-8675-479A-8803-25B508D0C90E}" type="datetimeFigureOut">
               <a:rPr lang="en-US" smtClean="0"/>
+              <a:pPr/>
               <a:t>10/6/2009</a:t>
             </a:fld>
             <a:endParaRPr lang="en-US"/>
@@ -1896,6 +1912,7 @@
           <a:p>
             <a:fld id="{89314D1C-A59A-4EAC-8DA8-5C9C1787458C}" type="slidenum">
               <a:rPr lang="en-US" smtClean="0"/>
+              <a:pPr/>
               <a:t>‹#›</a:t>
             </a:fld>
             <a:endParaRPr lang="en-US"/>
@@ -1944,6 +1961,7 @@
           <a:p>
             <a:fld id="{5D828E61-8675-479A-8803-25B508D0C90E}" type="datetimeFigureOut">
               <a:rPr lang="en-US" smtClean="0"/>
+              <a:pPr/>
               <a:t>10/6/2009</a:t>
             </a:fld>
             <a:endParaRPr lang="en-US"/>
@@ -1986,6 +2004,7 @@
           <a:p>
             <a:fld id="{89314D1C-A59A-4EAC-8DA8-5C9C1787458C}" type="slidenum">
               <a:rPr lang="en-US" smtClean="0"/>
+              <a:pPr/>
               <a:t>‹#›</a:t>
             </a:fld>
             <a:endParaRPr lang="en-US"/>
@@ -2216,6 +2235,7 @@
           <a:p>
             <a:fld id="{5D828E61-8675-479A-8803-25B508D0C90E}" type="datetimeFigureOut">
               <a:rPr lang="en-US" smtClean="0"/>
+              <a:pPr/>
               <a:t>10/6/2009</a:t>
             </a:fld>
             <a:endParaRPr lang="en-US"/>
@@ -2258,6 +2278,7 @@
           <a:p>
             <a:fld id="{89314D1C-A59A-4EAC-8DA8-5C9C1787458C}" type="slidenum">
               <a:rPr lang="en-US" smtClean="0"/>
+              <a:pPr/>
               <a:t>‹#›</a:t>
             </a:fld>
             <a:endParaRPr lang="en-US"/>
@@ -2464,6 +2485,7 @@
           <a:p>
             <a:fld id="{5D828E61-8675-479A-8803-25B508D0C90E}" type="datetimeFigureOut">
               <a:rPr lang="en-US" smtClean="0"/>
+              <a:pPr/>
               <a:t>10/6/2009</a:t>
             </a:fld>
             <a:endParaRPr lang="en-US"/>
@@ -2506,6 +2528,7 @@
           <a:p>
             <a:fld id="{89314D1C-A59A-4EAC-8DA8-5C9C1787458C}" type="slidenum">
               <a:rPr lang="en-US" smtClean="0"/>
+              <a:pPr/>
               <a:t>‹#›</a:t>
             </a:fld>
             <a:endParaRPr lang="en-US"/>
@@ -2696,6 +2719,7 @@
           <a:p>
             <a:fld id="{5D828E61-8675-479A-8803-25B508D0C90E}" type="datetimeFigureOut">
               <a:rPr lang="en-US" smtClean="0"/>
+              <a:pPr/>
               <a:t>10/6/2009</a:t>
             </a:fld>
             <a:endParaRPr lang="en-US"/>
@@ -2774,6 +2798,7 @@
           <a:p>
             <a:fld id="{89314D1C-A59A-4EAC-8DA8-5C9C1787458C}" type="slidenum">
               <a:rPr lang="en-US" smtClean="0"/>
+              <a:pPr/>
               <a:t>‹#›</a:t>
             </a:fld>
             <a:endParaRPr lang="en-US"/>
@@ -3670,6 +3695,114 @@
           <a:p>
             <a:r>
               <a:rPr lang="en-US" dirty="0" smtClean="0"/>
+              <a:t>For the next two weeks…</a:t>
+            </a:r>
+            <a:endParaRPr lang="en-US" dirty="0"/>
+          </a:p>
+        </p:txBody>
+      </p:sp>
+      <p:sp>
+        <p:nvSpPr>
+          <p:cNvPr id="3" name="Content Placeholder 2"/>
+          <p:cNvSpPr>
+            <a:spLocks noGrp="1"/>
+          </p:cNvSpPr>
+          <p:nvPr>
+            <p:ph idx="1"/>
+          </p:nvPr>
+        </p:nvSpPr>
+        <p:spPr/>
+        <p:txBody>
+          <a:bodyPr/>
+          <a:lstStyle/>
+          <a:p>
+            <a:r>
+              <a:rPr lang="en-US" dirty="0" smtClean="0"/>
+              <a:t>Undo/Redo (Using </a:t>
+            </a:r>
+            <a:r>
+              <a:rPr lang="en-US" i="1" dirty="0" smtClean="0"/>
+              <a:t>our</a:t>
+            </a:r>
+            <a:r>
+              <a:rPr lang="en-US" dirty="0" smtClean="0"/>
+              <a:t> ideas :P )</a:t>
+            </a:r>
+          </a:p>
+          <a:p>
+            <a:r>
+              <a:rPr lang="en-US" dirty="0" smtClean="0"/>
+              <a:t>Basic filters (saturation, grayscale)</a:t>
+            </a:r>
+          </a:p>
+          <a:p>
+            <a:r>
+              <a:rPr lang="en-US" dirty="0" smtClean="0"/>
+              <a:t>Enhance GUI features (toolbar, user-friendliness)</a:t>
+            </a:r>
+          </a:p>
+          <a:p>
+            <a:r>
+              <a:rPr lang="en-US" dirty="0" smtClean="0"/>
+              <a:t>Testing, testing, testing</a:t>
+            </a:r>
+          </a:p>
+          <a:p>
+            <a:pPr lvl="1"/>
+            <a:r>
+              <a:rPr lang="en-US" dirty="0" smtClean="0"/>
+              <a:t>Creation of unit &amp; </a:t>
+            </a:r>
+            <a:r>
+              <a:rPr lang="en-US" smtClean="0"/>
+              <a:t>integration tests</a:t>
+            </a:r>
+            <a:endParaRPr lang="en-US"/>
+          </a:p>
+        </p:txBody>
+      </p:sp>
+    </p:spTree>
+  </p:cSld>
+  <p:clrMapOvr>
+    <a:masterClrMapping/>
+  </p:clrMapOvr>
+</p:sld>
+</file>
+
+<file path=ppt/slides/slide9.xml><?xml version="1.0" encoding="utf-8"?>
+<p:sld xmlns:a="http://schemas.openxmlformats.org/drawingml/2006/main" xmlns:r="http://schemas.openxmlformats.org/officeDocument/2006/relationships" xmlns:p="http://schemas.openxmlformats.org/presentationml/2006/main">
+  <p:cSld>
+    <p:spTree>
+      <p:nvGrpSpPr>
+        <p:cNvPr id="1" name=""/>
+        <p:cNvGrpSpPr/>
+        <p:nvPr/>
+      </p:nvGrpSpPr>
+      <p:grpSpPr>
+        <a:xfrm>
+          <a:off x="0" y="0"/>
+          <a:ext cx="0" cy="0"/>
+          <a:chOff x="0" y="0"/>
+          <a:chExt cx="0" cy="0"/>
+        </a:xfrm>
+      </p:grpSpPr>
+      <p:sp>
+        <p:nvSpPr>
+          <p:cNvPr id="2" name="Title 1"/>
+          <p:cNvSpPr>
+            <a:spLocks noGrp="1"/>
+          </p:cNvSpPr>
+          <p:nvPr>
+            <p:ph type="title"/>
+          </p:nvPr>
+        </p:nvSpPr>
+        <p:spPr/>
+        <p:txBody>
+          <a:bodyPr/>
+          <a:lstStyle/>
+          <a:p>
+            <a:r>
+              <a:rPr lang="en-US" dirty="0" smtClean="0"/>
               <a:t>Shopped Itself</a:t>
             </a:r>
             <a:endParaRPr lang="en-US" dirty="0"/>
